--- a/BCI - Batch2 - Day10 - Reactjs 2 Web3.pptx
+++ b/BCI - Batch2 - Day10 - Reactjs 2 Web3.pptx
@@ -37,13 +37,6 @@
     <p:sldId id="1972" r:id="rId30"/>
     <p:sldId id="1944" r:id="rId31"/>
     <p:sldId id="1816" r:id="rId32"/>
-    <p:sldId id="1946" r:id="rId33"/>
-    <p:sldId id="1942" r:id="rId34"/>
-    <p:sldId id="1945" r:id="rId35"/>
-    <p:sldId id="1947" r:id="rId36"/>
-    <p:sldId id="1948" r:id="rId37"/>
-    <p:sldId id="1943" r:id="rId38"/>
-    <p:sldId id="1949" r:id="rId39"/>
   </p:sldIdLst>
   <p:sldSz cx="9144000" cy="6858000" type="screen4x3"/>
   <p:notesSz cx="7315200" cy="9601200"/>
@@ -11793,2046 +11786,6 @@
           </a:prstGeom>
         </p:spPr>
       </p:pic>
-    </p:spTree>
-  </p:cSld>
-  <p:clrMapOvr>
-    <a:masterClrMapping/>
-  </p:clrMapOvr>
-</p:sld>
-</file>
-
-<file path=ppt/slides/slide30.xml><?xml version="1.0" encoding="utf-8"?>
-<p:sld xmlns:a="http://schemas.openxmlformats.org/drawingml/2006/main" xmlns:r="http://schemas.openxmlformats.org/officeDocument/2006/relationships" xmlns:p="http://schemas.openxmlformats.org/presentationml/2006/main">
-  <p:cSld>
-    <p:spTree>
-      <p:nvGrpSpPr>
-        <p:cNvPr id="1" name=""/>
-        <p:cNvGrpSpPr/>
-        <p:nvPr/>
-      </p:nvGrpSpPr>
-      <p:grpSpPr>
-        <a:xfrm>
-          <a:off x="0" y="0"/>
-          <a:ext cx="0" cy="0"/>
-          <a:chOff x="0" y="0"/>
-          <a:chExt cx="0" cy="0"/>
-        </a:xfrm>
-      </p:grpSpPr>
-      <p:sp>
-        <p:nvSpPr>
-          <p:cNvPr id="2" name="Title 1"/>
-          <p:cNvSpPr>
-            <a:spLocks noGrp="1"/>
-          </p:cNvSpPr>
-          <p:nvPr>
-            <p:ph type="title"/>
-          </p:nvPr>
-        </p:nvSpPr>
-        <p:spPr>
-          <a:xfrm>
-            <a:off x="628650" y="155263"/>
-            <a:ext cx="7886700" cy="526790"/>
-          </a:xfrm>
-        </p:spPr>
-        <p:txBody>
-          <a:bodyPr>
-            <a:normAutofit fontScale="90000"/>
-          </a:bodyPr>
-          <a:lstStyle/>
-          <a:p>
-            <a:pPr algn="ctr"/>
-            <a:r>
-              <a:rPr lang="en-US" sz="3200" b="1" dirty="0">
-                <a:latin typeface="Calibri" panose="020F0502020204030204" pitchFamily="34" charset="0"/>
-                <a:cs typeface="Calibri" panose="020F0502020204030204" pitchFamily="34" charset="0"/>
-              </a:rPr>
-              <a:t>Web3 Introduction</a:t>
-            </a:r>
-            <a:endParaRPr lang="en-US" sz="3200" b="1" dirty="0">
-              <a:latin typeface="Calibri" panose="020F0502020204030204" pitchFamily="34" charset="0"/>
-              <a:cs typeface="Calibri" panose="020F0502020204030204" pitchFamily="34" charset="0"/>
-            </a:endParaRPr>
-          </a:p>
-        </p:txBody>
-      </p:sp>
-      <p:sp>
-        <p:nvSpPr>
-          <p:cNvPr id="3" name="Content Placeholder 2"/>
-          <p:cNvSpPr>
-            <a:spLocks noGrp="1"/>
-          </p:cNvSpPr>
-          <p:nvPr>
-            <p:ph idx="1"/>
-          </p:nvPr>
-        </p:nvSpPr>
-        <p:spPr>
-          <a:xfrm>
-            <a:off x="628650" y="989044"/>
-            <a:ext cx="7886700" cy="5605719"/>
-          </a:xfrm>
-        </p:spPr>
-        <p:txBody>
-          <a:bodyPr>
-            <a:normAutofit lnSpcReduction="10000"/>
-          </a:bodyPr>
-          <a:lstStyle/>
-          <a:p>
-            <a:pPr marL="228600" lvl="0" indent="-228600" defTabSz="342900">
-              <a:lnSpc>
-                <a:spcPct val="120000"/>
-              </a:lnSpc>
-              <a:buFont typeface="Arial" panose="020B0604020202020204" pitchFamily="34" charset="0"/>
-              <a:buChar char="•"/>
-            </a:pPr>
-            <a:r>
-              <a:rPr lang="en-US" altLang="en-US" sz="1540" dirty="0">
-                <a:solidFill>
-                  <a:srgbClr val="262626"/>
-                </a:solidFill>
-              </a:rPr>
-              <a:t>Components: https://web3js.readthedocs.io/en/v1.3.0/</a:t>
-            </a:r>
-            <a:endParaRPr lang="en-US" altLang="en-US" sz="1540" dirty="0">
-              <a:solidFill>
-                <a:srgbClr val="262626"/>
-              </a:solidFill>
-            </a:endParaRPr>
-          </a:p>
-          <a:p>
-            <a:pPr marL="228600" lvl="0" indent="-228600" defTabSz="342900">
-              <a:lnSpc>
-                <a:spcPct val="120000"/>
-              </a:lnSpc>
-              <a:buFont typeface="Arial" panose="020B0604020202020204" pitchFamily="34" charset="0"/>
-              <a:buChar char="•"/>
-            </a:pPr>
-            <a:endParaRPr lang="en-US" altLang="en-US" sz="1540" dirty="0">
-              <a:solidFill>
-                <a:srgbClr val="262626"/>
-              </a:solidFill>
-            </a:endParaRPr>
-          </a:p>
-          <a:p>
-            <a:pPr marL="228600" lvl="0" indent="-228600" defTabSz="342900">
-              <a:lnSpc>
-                <a:spcPct val="120000"/>
-              </a:lnSpc>
-              <a:buFont typeface="Arial" panose="020B0604020202020204" pitchFamily="34" charset="0"/>
-              <a:buChar char="•"/>
-            </a:pPr>
-            <a:r>
-              <a:rPr lang="en-US" altLang="en-US" sz="1540" dirty="0">
-                <a:solidFill>
-                  <a:srgbClr val="FF0000"/>
-                </a:solidFill>
-              </a:rPr>
-              <a:t>eth</a:t>
-            </a:r>
-            <a:r>
-              <a:rPr lang="en-US" altLang="en-US" sz="1540" dirty="0">
-                <a:solidFill>
-                  <a:srgbClr val="262626"/>
-                </a:solidFill>
-              </a:rPr>
-              <a:t> - package allows you to interact with an Ethereum </a:t>
-            </a:r>
-            <a:endParaRPr lang="en-US" altLang="en-US" sz="1540" dirty="0">
-              <a:solidFill>
-                <a:srgbClr val="262626"/>
-              </a:solidFill>
-            </a:endParaRPr>
-          </a:p>
-          <a:p>
-            <a:pPr marL="0" lvl="0" indent="0" defTabSz="342900">
-              <a:lnSpc>
-                <a:spcPct val="120000"/>
-              </a:lnSpc>
-              <a:buFont typeface="Arial" panose="020B0604020202020204" pitchFamily="34" charset="0"/>
-              <a:buNone/>
-            </a:pPr>
-            <a:r>
-              <a:rPr lang="en-US" altLang="en-US" sz="1540" dirty="0">
-                <a:solidFill>
-                  <a:srgbClr val="262626"/>
-                </a:solidFill>
-              </a:rPr>
-              <a:t>blockchain and Ethereum smart contracts. query, sendTx etc.</a:t>
-            </a:r>
-            <a:endParaRPr lang="en-US" altLang="en-US" sz="1540" dirty="0">
-              <a:solidFill>
-                <a:srgbClr val="262626"/>
-              </a:solidFill>
-            </a:endParaRPr>
-          </a:p>
-          <a:p>
-            <a:pPr marL="228600" lvl="0" indent="-228600" defTabSz="342900">
-              <a:lnSpc>
-                <a:spcPct val="120000"/>
-              </a:lnSpc>
-              <a:buFont typeface="Arial" panose="020B0604020202020204" pitchFamily="34" charset="0"/>
-              <a:buChar char="•"/>
-            </a:pPr>
-            <a:r>
-              <a:rPr lang="en-US" altLang="en-US" sz="1540" dirty="0">
-                <a:solidFill>
-                  <a:srgbClr val="262626"/>
-                </a:solidFill>
-              </a:rPr>
-              <a:t>subscribe - function lets you subscribe to specific </a:t>
-            </a:r>
-            <a:endParaRPr lang="en-US" altLang="en-US" sz="1540" dirty="0">
-              <a:solidFill>
-                <a:srgbClr val="262626"/>
-              </a:solidFill>
-            </a:endParaRPr>
-          </a:p>
-          <a:p>
-            <a:pPr marL="0" lvl="0" indent="0" defTabSz="342900">
-              <a:lnSpc>
-                <a:spcPct val="120000"/>
-              </a:lnSpc>
-              <a:buFont typeface="Arial" panose="020B0604020202020204" pitchFamily="34" charset="0"/>
-              <a:buNone/>
-            </a:pPr>
-            <a:r>
-              <a:rPr lang="en-US" altLang="en-US" sz="1540" dirty="0">
-                <a:solidFill>
-                  <a:srgbClr val="262626"/>
-                </a:solidFill>
-              </a:rPr>
-              <a:t>events in the blockchain. Example: Dex trading</a:t>
-            </a:r>
-            <a:endParaRPr lang="en-US" altLang="en-US" sz="1540" dirty="0">
-              <a:solidFill>
-                <a:srgbClr val="262626"/>
-              </a:solidFill>
-            </a:endParaRPr>
-          </a:p>
-          <a:p>
-            <a:pPr marL="228600" lvl="0" indent="-228600" defTabSz="342900">
-              <a:lnSpc>
-                <a:spcPct val="120000"/>
-              </a:lnSpc>
-              <a:buFont typeface="Arial" panose="020B0604020202020204" pitchFamily="34" charset="0"/>
-              <a:buChar char="•"/>
-            </a:pPr>
-            <a:r>
-              <a:rPr lang="en-US" altLang="en-US" sz="1540" dirty="0">
-                <a:solidFill>
-                  <a:srgbClr val="FF0000"/>
-                </a:solidFill>
-              </a:rPr>
-              <a:t>contract</a:t>
-            </a:r>
-            <a:r>
-              <a:rPr lang="en-US" altLang="en-US" sz="1540" dirty="0">
-                <a:solidFill>
-                  <a:srgbClr val="262626"/>
-                </a:solidFill>
-              </a:rPr>
-              <a:t> - makes it easy to interact with smart contracts </a:t>
-            </a:r>
-            <a:endParaRPr lang="en-US" altLang="en-US" sz="1540" dirty="0">
-              <a:solidFill>
-                <a:srgbClr val="262626"/>
-              </a:solidFill>
-            </a:endParaRPr>
-          </a:p>
-          <a:p>
-            <a:pPr marL="0" lvl="0" indent="0" defTabSz="342900">
-              <a:lnSpc>
-                <a:spcPct val="120000"/>
-              </a:lnSpc>
-              <a:buFont typeface="Arial" panose="020B0604020202020204" pitchFamily="34" charset="0"/>
-              <a:buNone/>
-            </a:pPr>
-            <a:r>
-              <a:rPr lang="en-US" altLang="en-US" sz="1540" dirty="0">
-                <a:solidFill>
-                  <a:srgbClr val="262626"/>
-                </a:solidFill>
-              </a:rPr>
-              <a:t>on the ethereum blockchain</a:t>
-            </a:r>
-            <a:endParaRPr lang="en-US" altLang="en-US" sz="1540" dirty="0">
-              <a:solidFill>
-                <a:srgbClr val="262626"/>
-              </a:solidFill>
-            </a:endParaRPr>
-          </a:p>
-          <a:p>
-            <a:pPr marL="228600" lvl="0" indent="-228600" defTabSz="342900">
-              <a:lnSpc>
-                <a:spcPct val="120000"/>
-              </a:lnSpc>
-              <a:buFont typeface="Arial" panose="020B0604020202020204" pitchFamily="34" charset="0"/>
-              <a:buChar char="•"/>
-            </a:pPr>
-            <a:r>
-              <a:rPr lang="en-US" altLang="en-US" sz="1540" dirty="0">
-                <a:solidFill>
-                  <a:srgbClr val="FF0000"/>
-                </a:solidFill>
-              </a:rPr>
-              <a:t>account</a:t>
-            </a:r>
-            <a:r>
-              <a:rPr lang="en-US" altLang="en-US" sz="1540" dirty="0">
-                <a:solidFill>
-                  <a:srgbClr val="262626"/>
-                </a:solidFill>
-              </a:rPr>
-              <a:t> - contains functions to generate Ethereum </a:t>
-            </a:r>
-            <a:endParaRPr lang="en-US" altLang="en-US" sz="1540" dirty="0">
-              <a:solidFill>
-                <a:srgbClr val="262626"/>
-              </a:solidFill>
-            </a:endParaRPr>
-          </a:p>
-          <a:p>
-            <a:pPr marL="0" lvl="0" indent="0" defTabSz="342900">
-              <a:lnSpc>
-                <a:spcPct val="120000"/>
-              </a:lnSpc>
-              <a:buFont typeface="Arial" panose="020B0604020202020204" pitchFamily="34" charset="0"/>
-              <a:buNone/>
-            </a:pPr>
-            <a:r>
-              <a:rPr lang="en-US" altLang="en-US" sz="1540" dirty="0">
-                <a:solidFill>
-                  <a:srgbClr val="262626"/>
-                </a:solidFill>
-              </a:rPr>
-              <a:t>accounts and sign transactions and data.</a:t>
-            </a:r>
-            <a:endParaRPr lang="en-US" altLang="en-US" sz="1540" dirty="0">
-              <a:solidFill>
-                <a:srgbClr val="262626"/>
-              </a:solidFill>
-            </a:endParaRPr>
-          </a:p>
-          <a:p>
-            <a:pPr marL="228600" lvl="0" indent="-228600" defTabSz="342900">
-              <a:lnSpc>
-                <a:spcPct val="120000"/>
-              </a:lnSpc>
-              <a:buFont typeface="Arial" panose="020B0604020202020204" pitchFamily="34" charset="0"/>
-              <a:buChar char="•"/>
-            </a:pPr>
-            <a:r>
-              <a:rPr lang="en-US" altLang="en-US" sz="1540" dirty="0">
-                <a:solidFill>
-                  <a:srgbClr val="262626"/>
-                </a:solidFill>
-              </a:rPr>
-              <a:t>personal - package allows you to interact with the </a:t>
-            </a:r>
-            <a:endParaRPr lang="en-US" altLang="en-US" sz="1540" dirty="0">
-              <a:solidFill>
-                <a:srgbClr val="262626"/>
-              </a:solidFill>
-            </a:endParaRPr>
-          </a:p>
-          <a:p>
-            <a:pPr marL="0" lvl="0" indent="0" defTabSz="342900">
-              <a:lnSpc>
-                <a:spcPct val="120000"/>
-              </a:lnSpc>
-              <a:buFont typeface="Arial" panose="020B0604020202020204" pitchFamily="34" charset="0"/>
-              <a:buNone/>
-            </a:pPr>
-            <a:r>
-              <a:rPr lang="en-US" altLang="en-US" sz="1540" dirty="0">
-                <a:solidFill>
-                  <a:srgbClr val="262626"/>
-                </a:solidFill>
-              </a:rPr>
-              <a:t>Ethereum node’s accounts</a:t>
-            </a:r>
-            <a:endParaRPr lang="en-US" altLang="en-US" sz="1540" dirty="0">
-              <a:solidFill>
-                <a:srgbClr val="262626"/>
-              </a:solidFill>
-            </a:endParaRPr>
-          </a:p>
-        </p:txBody>
-      </p:sp>
-      <p:pic>
-        <p:nvPicPr>
-          <p:cNvPr id="4" name="图片 3"/>
-          <p:cNvPicPr>
-            <a:picLocks noChangeAspect="1"/>
-          </p:cNvPicPr>
-          <p:nvPr/>
-        </p:nvPicPr>
-        <p:blipFill>
-          <a:blip r:embed="rId1"/>
-          <a:stretch>
-            <a:fillRect/>
-          </a:stretch>
-        </p:blipFill>
-        <p:spPr>
-          <a:xfrm>
-            <a:off x="5791200" y="1567180"/>
-            <a:ext cx="2724150" cy="3724275"/>
-          </a:xfrm>
-          <a:prstGeom prst="rect">
-            <a:avLst/>
-          </a:prstGeom>
-        </p:spPr>
-      </p:pic>
-    </p:spTree>
-  </p:cSld>
-  <p:clrMapOvr>
-    <a:masterClrMapping/>
-  </p:clrMapOvr>
-</p:sld>
-</file>
-
-<file path=ppt/slides/slide31.xml><?xml version="1.0" encoding="utf-8"?>
-<p:sld xmlns:a="http://schemas.openxmlformats.org/drawingml/2006/main" xmlns:r="http://schemas.openxmlformats.org/officeDocument/2006/relationships" xmlns:p="http://schemas.openxmlformats.org/presentationml/2006/main">
-  <p:cSld>
-    <p:spTree>
-      <p:nvGrpSpPr>
-        <p:cNvPr id="1" name=""/>
-        <p:cNvGrpSpPr/>
-        <p:nvPr/>
-      </p:nvGrpSpPr>
-      <p:grpSpPr>
-        <a:xfrm>
-          <a:off x="0" y="0"/>
-          <a:ext cx="0" cy="0"/>
-          <a:chOff x="0" y="0"/>
-          <a:chExt cx="0" cy="0"/>
-        </a:xfrm>
-      </p:grpSpPr>
-      <p:sp>
-        <p:nvSpPr>
-          <p:cNvPr id="2" name="Title 1"/>
-          <p:cNvSpPr>
-            <a:spLocks noGrp="1"/>
-          </p:cNvSpPr>
-          <p:nvPr>
-            <p:ph type="title"/>
-          </p:nvPr>
-        </p:nvSpPr>
-        <p:spPr>
-          <a:xfrm>
-            <a:off x="628650" y="155263"/>
-            <a:ext cx="7886700" cy="526790"/>
-          </a:xfrm>
-        </p:spPr>
-        <p:txBody>
-          <a:bodyPr>
-            <a:normAutofit fontScale="90000"/>
-          </a:bodyPr>
-          <a:lstStyle/>
-          <a:p>
-            <a:pPr algn="ctr"/>
-            <a:r>
-              <a:rPr lang="en-US" sz="3200" b="1" dirty="0">
-                <a:latin typeface="Calibri" panose="020F0502020204030204" pitchFamily="34" charset="0"/>
-                <a:cs typeface="Calibri" panose="020F0502020204030204" pitchFamily="34" charset="0"/>
-              </a:rPr>
-              <a:t>Gas vs GasLimit vs GasPrice</a:t>
-            </a:r>
-            <a:endParaRPr lang="en-US" sz="3200" b="1" dirty="0">
-              <a:latin typeface="Calibri" panose="020F0502020204030204" pitchFamily="34" charset="0"/>
-              <a:cs typeface="Calibri" panose="020F0502020204030204" pitchFamily="34" charset="0"/>
-            </a:endParaRPr>
-          </a:p>
-        </p:txBody>
-      </p:sp>
-      <p:sp>
-        <p:nvSpPr>
-          <p:cNvPr id="3" name="Content Placeholder 2"/>
-          <p:cNvSpPr>
-            <a:spLocks noGrp="1"/>
-          </p:cNvSpPr>
-          <p:nvPr>
-            <p:ph idx="1"/>
-          </p:nvPr>
-        </p:nvSpPr>
-        <p:spPr>
-          <a:xfrm>
-            <a:off x="628650" y="989044"/>
-            <a:ext cx="7886700" cy="5605719"/>
-          </a:xfrm>
-        </p:spPr>
-        <p:txBody>
-          <a:bodyPr>
-            <a:normAutofit lnSpcReduction="10000"/>
-          </a:bodyPr>
-          <a:lstStyle/>
-          <a:p>
-            <a:pPr marL="228600" lvl="0" indent="-228600" defTabSz="342900">
-              <a:lnSpc>
-                <a:spcPct val="120000"/>
-              </a:lnSpc>
-              <a:buFont typeface="Arial" panose="020B0604020202020204" pitchFamily="34" charset="0"/>
-              <a:buChar char="•"/>
-            </a:pPr>
-            <a:r>
-              <a:rPr lang="en-US" altLang="en-US" sz="1540" dirty="0">
-                <a:solidFill>
-                  <a:srgbClr val="262626"/>
-                </a:solidFill>
-              </a:rPr>
-              <a:t>Gas vs GasPrice vs Gas Limit</a:t>
-            </a:r>
-            <a:endParaRPr lang="en-US" altLang="en-US" sz="1540" dirty="0">
-              <a:solidFill>
-                <a:srgbClr val="262626"/>
-              </a:solidFill>
-            </a:endParaRPr>
-          </a:p>
-          <a:p>
-            <a:pPr marL="228600" lvl="0" indent="-228600" defTabSz="342900">
-              <a:lnSpc>
-                <a:spcPct val="120000"/>
-              </a:lnSpc>
-              <a:buFont typeface="Arial" panose="020B0604020202020204" pitchFamily="34" charset="0"/>
-              <a:buChar char="•"/>
-            </a:pPr>
-            <a:endParaRPr lang="en-US" altLang="en-US" sz="1540" dirty="0">
-              <a:solidFill>
-                <a:srgbClr val="262626"/>
-              </a:solidFill>
-            </a:endParaRPr>
-          </a:p>
-          <a:p>
-            <a:pPr marL="228600" lvl="0" indent="-228600" defTabSz="342900">
-              <a:lnSpc>
-                <a:spcPct val="120000"/>
-              </a:lnSpc>
-              <a:buFont typeface="Arial" panose="020B0604020202020204" pitchFamily="34" charset="0"/>
-              <a:buChar char="•"/>
-            </a:pPr>
-            <a:r>
-              <a:rPr lang="en-US" altLang="en-US" sz="1540" dirty="0">
-                <a:solidFill>
-                  <a:srgbClr val="262626"/>
-                </a:solidFill>
-              </a:rPr>
-              <a:t>Gas is the unit of calculation that indicates the fee for a particular action or transaction. </a:t>
-            </a:r>
-            <a:endParaRPr lang="en-US" altLang="en-US" sz="1540" dirty="0">
-              <a:solidFill>
-                <a:srgbClr val="262626"/>
-              </a:solidFill>
-            </a:endParaRPr>
-          </a:p>
-          <a:p>
-            <a:pPr marL="228600" lvl="0" indent="-228600" defTabSz="342900">
-              <a:lnSpc>
-                <a:spcPct val="120000"/>
-              </a:lnSpc>
-              <a:buFont typeface="Arial" panose="020B0604020202020204" pitchFamily="34" charset="0"/>
-              <a:buChar char="•"/>
-            </a:pPr>
-            <a:r>
-              <a:rPr lang="en-US" altLang="en-US" sz="1540" dirty="0">
-                <a:solidFill>
-                  <a:srgbClr val="262626"/>
-                </a:solidFill>
-              </a:rPr>
-              <a:t>Excuting every line of code  requires gas = fule</a:t>
-            </a:r>
-            <a:endParaRPr lang="en-US" altLang="en-US" sz="1540" dirty="0">
-              <a:solidFill>
-                <a:srgbClr val="262626"/>
-              </a:solidFill>
-            </a:endParaRPr>
-          </a:p>
-          <a:p>
-            <a:pPr marL="228600" lvl="0" indent="-228600" defTabSz="342900">
-              <a:lnSpc>
-                <a:spcPct val="120000"/>
-              </a:lnSpc>
-              <a:buFont typeface="Arial" panose="020B0604020202020204" pitchFamily="34" charset="0"/>
-              <a:buChar char="•"/>
-            </a:pPr>
-            <a:endParaRPr lang="en-US" altLang="en-US" sz="1540" dirty="0">
-              <a:solidFill>
-                <a:srgbClr val="262626"/>
-              </a:solidFill>
-            </a:endParaRPr>
-          </a:p>
-          <a:p>
-            <a:pPr marL="228600" lvl="0" indent="-228600" defTabSz="342900">
-              <a:lnSpc>
-                <a:spcPct val="120000"/>
-              </a:lnSpc>
-              <a:buFont typeface="Arial" panose="020B0604020202020204" pitchFamily="34" charset="0"/>
-              <a:buChar char="•"/>
-            </a:pPr>
-            <a:r>
-              <a:rPr lang="en-US" altLang="en-US" sz="1540" dirty="0">
-                <a:solidFill>
-                  <a:srgbClr val="262626"/>
-                </a:solidFill>
-              </a:rPr>
-              <a:t>The Gas Limit is the maximum amount of Gas that a user is willing to pay for performing this action or confirming a transaction (a minimum of 21,000). </a:t>
-            </a:r>
-            <a:endParaRPr lang="en-US" altLang="en-US" sz="1540" dirty="0">
-              <a:solidFill>
-                <a:srgbClr val="262626"/>
-              </a:solidFill>
-            </a:endParaRPr>
-          </a:p>
-          <a:p>
-            <a:pPr marL="228600" lvl="0" indent="-228600" defTabSz="342900">
-              <a:lnSpc>
-                <a:spcPct val="120000"/>
-              </a:lnSpc>
-              <a:buFont typeface="Arial" panose="020B0604020202020204" pitchFamily="34" charset="0"/>
-              <a:buChar char="•"/>
-            </a:pPr>
-            <a:r>
-              <a:rPr lang="en-US" altLang="en-US" sz="1540" dirty="0">
-                <a:solidFill>
-                  <a:srgbClr val="262626"/>
-                </a:solidFill>
-              </a:rPr>
-              <a:t>Max Gas</a:t>
-            </a:r>
-            <a:endParaRPr lang="en-US" altLang="en-US" sz="1540" dirty="0">
-              <a:solidFill>
-                <a:srgbClr val="262626"/>
-              </a:solidFill>
-            </a:endParaRPr>
-          </a:p>
-          <a:p>
-            <a:pPr marL="228600" lvl="0" indent="-228600" defTabSz="342900">
-              <a:lnSpc>
-                <a:spcPct val="120000"/>
-              </a:lnSpc>
-              <a:buFont typeface="Arial" panose="020B0604020202020204" pitchFamily="34" charset="0"/>
-              <a:buChar char="•"/>
-            </a:pPr>
-            <a:endParaRPr lang="en-US" altLang="en-US" sz="1540" dirty="0">
-              <a:solidFill>
-                <a:srgbClr val="262626"/>
-              </a:solidFill>
-            </a:endParaRPr>
-          </a:p>
-          <a:p>
-            <a:pPr marL="228600" lvl="0" indent="-228600" defTabSz="342900">
-              <a:lnSpc>
-                <a:spcPct val="120000"/>
-              </a:lnSpc>
-              <a:buFont typeface="Arial" panose="020B0604020202020204" pitchFamily="34" charset="0"/>
-              <a:buChar char="•"/>
-            </a:pPr>
-            <a:r>
-              <a:rPr lang="en-US" altLang="en-US" sz="1540" dirty="0">
-                <a:solidFill>
-                  <a:srgbClr val="262626"/>
-                </a:solidFill>
-              </a:rPr>
-              <a:t>The price of Gas (Gas Price) is the amount of Gwei that the user is willing to spend on each unit of Gas. </a:t>
-            </a:r>
-            <a:endParaRPr lang="en-US" altLang="en-US" sz="1540" dirty="0">
-              <a:solidFill>
-                <a:srgbClr val="262626"/>
-              </a:solidFill>
-            </a:endParaRPr>
-          </a:p>
-          <a:p>
-            <a:pPr marL="228600" lvl="0" indent="-228600" defTabSz="342900">
-              <a:lnSpc>
-                <a:spcPct val="120000"/>
-              </a:lnSpc>
-              <a:buFont typeface="Arial" panose="020B0604020202020204" pitchFamily="34" charset="0"/>
-              <a:buChar char="•"/>
-            </a:pPr>
-            <a:r>
-              <a:rPr lang="en-US" altLang="en-US" sz="1540" dirty="0">
-                <a:solidFill>
-                  <a:srgbClr val="262626"/>
-                </a:solidFill>
-              </a:rPr>
-              <a:t>Auction = willingness to pay</a:t>
-            </a:r>
-            <a:endParaRPr lang="en-US" altLang="en-US" sz="1540" dirty="0">
-              <a:solidFill>
-                <a:srgbClr val="262626"/>
-              </a:solidFill>
-            </a:endParaRPr>
-          </a:p>
-          <a:p>
-            <a:pPr marL="228600" lvl="0" indent="-228600" defTabSz="342900">
-              <a:lnSpc>
-                <a:spcPct val="120000"/>
-              </a:lnSpc>
-              <a:buFont typeface="Arial" panose="020B0604020202020204" pitchFamily="34" charset="0"/>
-              <a:buChar char="•"/>
-            </a:pPr>
-            <a:endParaRPr lang="en-US" altLang="en-US" sz="1540" dirty="0">
-              <a:solidFill>
-                <a:srgbClr val="262626"/>
-              </a:solidFill>
-            </a:endParaRPr>
-          </a:p>
-        </p:txBody>
-      </p:sp>
-    </p:spTree>
-  </p:cSld>
-  <p:clrMapOvr>
-    <a:masterClrMapping/>
-  </p:clrMapOvr>
-</p:sld>
-</file>
-
-<file path=ppt/slides/slide32.xml><?xml version="1.0" encoding="utf-8"?>
-<p:sld xmlns:a="http://schemas.openxmlformats.org/drawingml/2006/main" xmlns:r="http://schemas.openxmlformats.org/officeDocument/2006/relationships" xmlns:p="http://schemas.openxmlformats.org/presentationml/2006/main">
-  <p:cSld>
-    <p:spTree>
-      <p:nvGrpSpPr>
-        <p:cNvPr id="1" name=""/>
-        <p:cNvGrpSpPr/>
-        <p:nvPr/>
-      </p:nvGrpSpPr>
-      <p:grpSpPr>
-        <a:xfrm>
-          <a:off x="0" y="0"/>
-          <a:ext cx="0" cy="0"/>
-          <a:chOff x="0" y="0"/>
-          <a:chExt cx="0" cy="0"/>
-        </a:xfrm>
-      </p:grpSpPr>
-      <p:sp>
-        <p:nvSpPr>
-          <p:cNvPr id="2" name="Title 1"/>
-          <p:cNvSpPr>
-            <a:spLocks noGrp="1"/>
-          </p:cNvSpPr>
-          <p:nvPr>
-            <p:ph type="title"/>
-          </p:nvPr>
-        </p:nvSpPr>
-        <p:spPr>
-          <a:xfrm>
-            <a:off x="628650" y="155263"/>
-            <a:ext cx="7886700" cy="526790"/>
-          </a:xfrm>
-        </p:spPr>
-        <p:txBody>
-          <a:bodyPr>
-            <a:normAutofit fontScale="90000"/>
-          </a:bodyPr>
-          <a:lstStyle/>
-          <a:p>
-            <a:pPr algn="ctr"/>
-            <a:r>
-              <a:rPr lang="en-US" sz="3200" b="1" dirty="0">
-                <a:latin typeface="Calibri" panose="020F0502020204030204" pitchFamily="34" charset="0"/>
-                <a:cs typeface="Calibri" panose="020F0502020204030204" pitchFamily="34" charset="0"/>
-              </a:rPr>
-              <a:t>Estimate Gas</a:t>
-            </a:r>
-            <a:endParaRPr lang="en-US" sz="3200" b="1" dirty="0">
-              <a:latin typeface="Calibri" panose="020F0502020204030204" pitchFamily="34" charset="0"/>
-              <a:cs typeface="Calibri" panose="020F0502020204030204" pitchFamily="34" charset="0"/>
-            </a:endParaRPr>
-          </a:p>
-        </p:txBody>
-      </p:sp>
-      <p:sp>
-        <p:nvSpPr>
-          <p:cNvPr id="3" name="Content Placeholder 2"/>
-          <p:cNvSpPr>
-            <a:spLocks noGrp="1"/>
-          </p:cNvSpPr>
-          <p:nvPr>
-            <p:ph idx="1"/>
-          </p:nvPr>
-        </p:nvSpPr>
-        <p:spPr>
-          <a:xfrm>
-            <a:off x="628650" y="989044"/>
-            <a:ext cx="7886700" cy="5605719"/>
-          </a:xfrm>
-        </p:spPr>
-        <p:txBody>
-          <a:bodyPr>
-            <a:normAutofit lnSpcReduction="10000"/>
-          </a:bodyPr>
-          <a:lstStyle/>
-          <a:p>
-            <a:pPr marL="228600" lvl="0" indent="-228600" defTabSz="342900">
-              <a:lnSpc>
-                <a:spcPct val="120000"/>
-              </a:lnSpc>
-              <a:buFont typeface="Arial" panose="020B0604020202020204" pitchFamily="34" charset="0"/>
-              <a:buChar char="•"/>
-            </a:pPr>
-            <a:r>
-              <a:rPr lang="en-US" altLang="en-US" sz="1540" dirty="0">
-                <a:solidFill>
-                  <a:srgbClr val="262626"/>
-                </a:solidFill>
-              </a:rPr>
-              <a:t>Generate Encode Data</a:t>
-            </a:r>
-            <a:endParaRPr lang="en-US" altLang="en-US" sz="1540" dirty="0">
-              <a:solidFill>
-                <a:srgbClr val="262626"/>
-              </a:solidFill>
-            </a:endParaRPr>
-          </a:p>
-          <a:p>
-            <a:pPr marL="228600" lvl="0" indent="-228600" defTabSz="342900">
-              <a:lnSpc>
-                <a:spcPct val="120000"/>
-              </a:lnSpc>
-              <a:buFont typeface="Arial" panose="020B0604020202020204" pitchFamily="34" charset="0"/>
-              <a:buChar char="•"/>
-            </a:pPr>
-            <a:endParaRPr lang="en-US" altLang="en-US" sz="1540" dirty="0">
-              <a:solidFill>
-                <a:srgbClr val="262626"/>
-              </a:solidFill>
-            </a:endParaRPr>
-          </a:p>
-          <a:p>
-            <a:pPr marL="228600" lvl="0" indent="-228600" defTabSz="342900">
-              <a:lnSpc>
-                <a:spcPct val="120000"/>
-              </a:lnSpc>
-              <a:buFont typeface="Arial" panose="020B0604020202020204" pitchFamily="34" charset="0"/>
-              <a:buChar char="•"/>
-            </a:pPr>
-            <a:endParaRPr lang="en-US" altLang="en-US" sz="1540" dirty="0">
-              <a:solidFill>
-                <a:srgbClr val="262626"/>
-              </a:solidFill>
-            </a:endParaRPr>
-          </a:p>
-          <a:p>
-            <a:pPr marL="228600" lvl="0" indent="-228600" defTabSz="342900">
-              <a:lnSpc>
-                <a:spcPct val="120000"/>
-              </a:lnSpc>
-              <a:buFont typeface="Arial" panose="020B0604020202020204" pitchFamily="34" charset="0"/>
-              <a:buChar char="•"/>
-            </a:pPr>
-            <a:endParaRPr lang="en-US" altLang="en-US" sz="1540" dirty="0">
-              <a:solidFill>
-                <a:srgbClr val="262626"/>
-              </a:solidFill>
-            </a:endParaRPr>
-          </a:p>
-          <a:p>
-            <a:pPr marL="228600" lvl="0" indent="-228600" defTabSz="342900">
-              <a:lnSpc>
-                <a:spcPct val="120000"/>
-              </a:lnSpc>
-              <a:buFont typeface="Arial" panose="020B0604020202020204" pitchFamily="34" charset="0"/>
-              <a:buChar char="•"/>
-            </a:pPr>
-            <a:endParaRPr lang="en-US" altLang="en-US" sz="1540" dirty="0">
-              <a:solidFill>
-                <a:srgbClr val="262626"/>
-              </a:solidFill>
-            </a:endParaRPr>
-          </a:p>
-          <a:p>
-            <a:pPr marL="228600" lvl="0" indent="-228600" defTabSz="342900">
-              <a:lnSpc>
-                <a:spcPct val="120000"/>
-              </a:lnSpc>
-              <a:buFont typeface="Arial" panose="020B0604020202020204" pitchFamily="34" charset="0"/>
-              <a:buChar char="•"/>
-            </a:pPr>
-            <a:r>
-              <a:rPr lang="en-US" altLang="en-US" sz="1540" dirty="0">
-                <a:solidFill>
-                  <a:srgbClr val="262626"/>
-                </a:solidFill>
-              </a:rPr>
-              <a:t>Get Estimated Gas</a:t>
-            </a:r>
-            <a:endParaRPr lang="en-US" altLang="en-US" sz="1540" dirty="0">
-              <a:solidFill>
-                <a:srgbClr val="262626"/>
-              </a:solidFill>
-            </a:endParaRPr>
-          </a:p>
-          <a:p>
-            <a:pPr marL="228600" lvl="0" indent="-228600" defTabSz="342900">
-              <a:lnSpc>
-                <a:spcPct val="120000"/>
-              </a:lnSpc>
-              <a:buFont typeface="Arial" panose="020B0604020202020204" pitchFamily="34" charset="0"/>
-              <a:buChar char="•"/>
-            </a:pPr>
-            <a:endParaRPr lang="en-US" altLang="en-US" sz="1540" dirty="0">
-              <a:solidFill>
-                <a:srgbClr val="262626"/>
-              </a:solidFill>
-            </a:endParaRPr>
-          </a:p>
-        </p:txBody>
-      </p:sp>
-      <p:pic>
-        <p:nvPicPr>
-          <p:cNvPr id="4" name="图片 3"/>
-          <p:cNvPicPr>
-            <a:picLocks noChangeAspect="1"/>
-          </p:cNvPicPr>
-          <p:nvPr/>
-        </p:nvPicPr>
-        <p:blipFill>
-          <a:blip r:embed="rId1"/>
-          <a:stretch>
-            <a:fillRect/>
-          </a:stretch>
-        </p:blipFill>
-        <p:spPr>
-          <a:xfrm>
-            <a:off x="628650" y="3519805"/>
-            <a:ext cx="7959090" cy="1752600"/>
-          </a:xfrm>
-          <a:prstGeom prst="rect">
-            <a:avLst/>
-          </a:prstGeom>
-        </p:spPr>
-      </p:pic>
-      <p:pic>
-        <p:nvPicPr>
-          <p:cNvPr id="5" name="图片 4"/>
-          <p:cNvPicPr>
-            <a:picLocks noChangeAspect="1"/>
-          </p:cNvPicPr>
-          <p:nvPr/>
-        </p:nvPicPr>
-        <p:blipFill>
-          <a:blip r:embed="rId2"/>
-          <a:stretch>
-            <a:fillRect/>
-          </a:stretch>
-        </p:blipFill>
-        <p:spPr>
-          <a:xfrm>
-            <a:off x="628650" y="1598930"/>
-            <a:ext cx="7616190" cy="1134110"/>
-          </a:xfrm>
-          <a:prstGeom prst="rect">
-            <a:avLst/>
-          </a:prstGeom>
-        </p:spPr>
-      </p:pic>
-    </p:spTree>
-  </p:cSld>
-  <p:clrMapOvr>
-    <a:masterClrMapping/>
-  </p:clrMapOvr>
-</p:sld>
-</file>
-
-<file path=ppt/slides/slide33.xml><?xml version="1.0" encoding="utf-8"?>
-<p:sld xmlns:a="http://schemas.openxmlformats.org/drawingml/2006/main" xmlns:r="http://schemas.openxmlformats.org/officeDocument/2006/relationships" xmlns:p="http://schemas.openxmlformats.org/presentationml/2006/main">
-  <p:cSld>
-    <p:spTree>
-      <p:nvGrpSpPr>
-        <p:cNvPr id="1" name=""/>
-        <p:cNvGrpSpPr/>
-        <p:nvPr/>
-      </p:nvGrpSpPr>
-      <p:grpSpPr>
-        <a:xfrm>
-          <a:off x="0" y="0"/>
-          <a:ext cx="0" cy="0"/>
-          <a:chOff x="0" y="0"/>
-          <a:chExt cx="0" cy="0"/>
-        </a:xfrm>
-      </p:grpSpPr>
-      <p:sp>
-        <p:nvSpPr>
-          <p:cNvPr id="2" name="Title 1"/>
-          <p:cNvSpPr>
-            <a:spLocks noGrp="1"/>
-          </p:cNvSpPr>
-          <p:nvPr>
-            <p:ph type="title"/>
-          </p:nvPr>
-        </p:nvSpPr>
-        <p:spPr>
-          <a:xfrm>
-            <a:off x="628650" y="155263"/>
-            <a:ext cx="7886700" cy="526790"/>
-          </a:xfrm>
-        </p:spPr>
-        <p:txBody>
-          <a:bodyPr>
-            <a:normAutofit fontScale="90000"/>
-          </a:bodyPr>
-          <a:lstStyle/>
-          <a:p>
-            <a:pPr algn="ctr"/>
-            <a:r>
-              <a:rPr lang="en-US" sz="3200" b="1" dirty="0">
-                <a:latin typeface="Calibri" panose="020F0502020204030204" pitchFamily="34" charset="0"/>
-                <a:cs typeface="Calibri" panose="020F0502020204030204" pitchFamily="34" charset="0"/>
-              </a:rPr>
-              <a:t>Transaction Type</a:t>
-            </a:r>
-            <a:endParaRPr lang="en-US" sz="3200" b="1" dirty="0">
-              <a:latin typeface="Calibri" panose="020F0502020204030204" pitchFamily="34" charset="0"/>
-              <a:cs typeface="Calibri" panose="020F0502020204030204" pitchFamily="34" charset="0"/>
-            </a:endParaRPr>
-          </a:p>
-        </p:txBody>
-      </p:sp>
-      <p:sp>
-        <p:nvSpPr>
-          <p:cNvPr id="3" name="Content Placeholder 2"/>
-          <p:cNvSpPr>
-            <a:spLocks noGrp="1"/>
-          </p:cNvSpPr>
-          <p:nvPr>
-            <p:ph idx="1"/>
-          </p:nvPr>
-        </p:nvSpPr>
-        <p:spPr>
-          <a:xfrm>
-            <a:off x="628650" y="989044"/>
-            <a:ext cx="7886700" cy="5605719"/>
-          </a:xfrm>
-        </p:spPr>
-        <p:txBody>
-          <a:bodyPr>
-            <a:normAutofit lnSpcReduction="10000"/>
-          </a:bodyPr>
-          <a:lstStyle/>
-          <a:p>
-            <a:pPr marL="228600" lvl="0" indent="-228600" defTabSz="342900">
-              <a:lnSpc>
-                <a:spcPct val="120000"/>
-              </a:lnSpc>
-              <a:buFont typeface="Arial" panose="020B0604020202020204" pitchFamily="34" charset="0"/>
-              <a:buChar char="•"/>
-            </a:pPr>
-            <a:r>
-              <a:rPr lang="en-US" altLang="en-US" sz="1540" dirty="0">
-                <a:solidFill>
-                  <a:srgbClr val="262626"/>
-                </a:solidFill>
-              </a:rPr>
-              <a:t>Query vs Write</a:t>
-            </a:r>
-            <a:endParaRPr lang="en-US" altLang="en-US" sz="1540" dirty="0">
-              <a:solidFill>
-                <a:srgbClr val="262626"/>
-              </a:solidFill>
-            </a:endParaRPr>
-          </a:p>
-          <a:p>
-            <a:pPr marL="228600" lvl="0" indent="-228600" defTabSz="342900">
-              <a:lnSpc>
-                <a:spcPct val="120000"/>
-              </a:lnSpc>
-              <a:buFont typeface="Arial" panose="020B0604020202020204" pitchFamily="34" charset="0"/>
-              <a:buChar char="•"/>
-            </a:pPr>
-            <a:r>
-              <a:rPr lang="en-US" altLang="en-US" sz="1540" dirty="0">
-                <a:solidFill>
-                  <a:srgbClr val="262626"/>
-                </a:solidFill>
-              </a:rPr>
-              <a:t>Call - query, no gas</a:t>
-            </a:r>
-            <a:endParaRPr lang="en-US" altLang="en-US" sz="1540" dirty="0">
-              <a:solidFill>
-                <a:srgbClr val="262626"/>
-              </a:solidFill>
-            </a:endParaRPr>
-          </a:p>
-          <a:p>
-            <a:pPr marL="228600" lvl="0" indent="-228600" defTabSz="342900">
-              <a:lnSpc>
-                <a:spcPct val="120000"/>
-              </a:lnSpc>
-              <a:buFont typeface="Arial" panose="020B0604020202020204" pitchFamily="34" charset="0"/>
-              <a:buChar char="•"/>
-            </a:pPr>
-            <a:endParaRPr lang="en-US" altLang="en-US" sz="1540" dirty="0">
-              <a:solidFill>
-                <a:srgbClr val="262626"/>
-              </a:solidFill>
-            </a:endParaRPr>
-          </a:p>
-          <a:p>
-            <a:pPr marL="228600" lvl="0" indent="-228600" defTabSz="342900">
-              <a:lnSpc>
-                <a:spcPct val="120000"/>
-              </a:lnSpc>
-              <a:buFont typeface="Arial" panose="020B0604020202020204" pitchFamily="34" charset="0"/>
-              <a:buChar char="•"/>
-            </a:pPr>
-            <a:endParaRPr lang="en-US" altLang="en-US" sz="1540" dirty="0">
-              <a:solidFill>
-                <a:srgbClr val="262626"/>
-              </a:solidFill>
-            </a:endParaRPr>
-          </a:p>
-          <a:p>
-            <a:pPr marL="228600" lvl="0" indent="-228600" defTabSz="342900">
-              <a:lnSpc>
-                <a:spcPct val="120000"/>
-              </a:lnSpc>
-              <a:buFont typeface="Arial" panose="020B0604020202020204" pitchFamily="34" charset="0"/>
-              <a:buChar char="•"/>
-            </a:pPr>
-            <a:endParaRPr lang="en-US" altLang="en-US" sz="1540" dirty="0">
-              <a:solidFill>
-                <a:srgbClr val="262626"/>
-              </a:solidFill>
-            </a:endParaRPr>
-          </a:p>
-          <a:p>
-            <a:pPr marL="228600" lvl="0" indent="-228600" defTabSz="342900">
-              <a:lnSpc>
-                <a:spcPct val="120000"/>
-              </a:lnSpc>
-              <a:buFont typeface="Arial" panose="020B0604020202020204" pitchFamily="34" charset="0"/>
-              <a:buChar char="•"/>
-            </a:pPr>
-            <a:endParaRPr lang="en-US" altLang="en-US" sz="1540" dirty="0">
-              <a:solidFill>
-                <a:srgbClr val="262626"/>
-              </a:solidFill>
-            </a:endParaRPr>
-          </a:p>
-          <a:p>
-            <a:pPr marL="228600" lvl="0" indent="-228600" defTabSz="342900">
-              <a:lnSpc>
-                <a:spcPct val="120000"/>
-              </a:lnSpc>
-              <a:buFont typeface="Arial" panose="020B0604020202020204" pitchFamily="34" charset="0"/>
-              <a:buChar char="•"/>
-            </a:pPr>
-            <a:endParaRPr lang="en-US" altLang="en-US" sz="1540" dirty="0">
-              <a:solidFill>
-                <a:srgbClr val="262626"/>
-              </a:solidFill>
-            </a:endParaRPr>
-          </a:p>
-          <a:p>
-            <a:pPr marL="228600" lvl="0" indent="-228600" defTabSz="342900">
-              <a:lnSpc>
-                <a:spcPct val="120000"/>
-              </a:lnSpc>
-              <a:buFont typeface="Arial" panose="020B0604020202020204" pitchFamily="34" charset="0"/>
-              <a:buChar char="•"/>
-            </a:pPr>
-            <a:r>
-              <a:rPr lang="en-US" altLang="en-US" sz="1540" dirty="0">
-                <a:solidFill>
-                  <a:srgbClr val="262626"/>
-                </a:solidFill>
-              </a:rPr>
-              <a:t>Write to Contrcts</a:t>
-            </a:r>
-            <a:endParaRPr lang="en-US" altLang="en-US" sz="1540" dirty="0">
-              <a:solidFill>
-                <a:srgbClr val="262626"/>
-              </a:solidFill>
-            </a:endParaRPr>
-          </a:p>
-          <a:p>
-            <a:pPr marL="228600" lvl="0" indent="-228600" defTabSz="342900">
-              <a:lnSpc>
-                <a:spcPct val="120000"/>
-              </a:lnSpc>
-              <a:buFont typeface="Arial" panose="020B0604020202020204" pitchFamily="34" charset="0"/>
-              <a:buChar char="•"/>
-            </a:pPr>
-            <a:r>
-              <a:rPr lang="en-US" altLang="en-US" sz="1540" dirty="0">
-                <a:solidFill>
-                  <a:srgbClr val="262626"/>
-                </a:solidFill>
-              </a:rPr>
-              <a:t>Step 1: </a:t>
-            </a:r>
-            <a:r>
-              <a:rPr lang="en-US" altLang="en-US" sz="1535" dirty="0">
-                <a:solidFill>
-                  <a:srgbClr val="262626"/>
-                </a:solidFill>
-                <a:sym typeface="+mn-ea"/>
-              </a:rPr>
-              <a:t>Generate Encode Data</a:t>
-            </a:r>
-            <a:endParaRPr lang="en-US" altLang="en-US" sz="1535" dirty="0">
-              <a:solidFill>
-                <a:srgbClr val="262626"/>
-              </a:solidFill>
-            </a:endParaRPr>
-          </a:p>
-          <a:p>
-            <a:pPr marL="228600" lvl="0" indent="-228600" defTabSz="342900">
-              <a:lnSpc>
-                <a:spcPct val="120000"/>
-              </a:lnSpc>
-              <a:buFont typeface="Arial" panose="020B0604020202020204" pitchFamily="34" charset="0"/>
-              <a:buChar char="•"/>
-            </a:pPr>
-            <a:endParaRPr lang="en-US" altLang="en-US" sz="1540" dirty="0">
-              <a:solidFill>
-                <a:srgbClr val="262626"/>
-              </a:solidFill>
-            </a:endParaRPr>
-          </a:p>
-        </p:txBody>
-      </p:sp>
-      <p:pic>
-        <p:nvPicPr>
-          <p:cNvPr id="6" name="图片 5"/>
-          <p:cNvPicPr>
-            <a:picLocks noChangeAspect="1"/>
-          </p:cNvPicPr>
-          <p:nvPr/>
-        </p:nvPicPr>
-        <p:blipFill>
-          <a:blip r:embed="rId1"/>
-          <a:stretch>
-            <a:fillRect/>
-          </a:stretch>
-        </p:blipFill>
-        <p:spPr>
-          <a:xfrm>
-            <a:off x="628650" y="2036445"/>
-            <a:ext cx="8061325" cy="906780"/>
-          </a:xfrm>
-          <a:prstGeom prst="rect">
-            <a:avLst/>
-          </a:prstGeom>
-        </p:spPr>
-      </p:pic>
-      <p:pic>
-        <p:nvPicPr>
-          <p:cNvPr id="7" name="图片 6"/>
-          <p:cNvPicPr>
-            <a:picLocks noChangeAspect="1"/>
-          </p:cNvPicPr>
-          <p:nvPr/>
-        </p:nvPicPr>
-        <p:blipFill>
-          <a:blip r:embed="rId2"/>
-          <a:stretch>
-            <a:fillRect/>
-          </a:stretch>
-        </p:blipFill>
-        <p:spPr>
-          <a:xfrm>
-            <a:off x="628650" y="4548505"/>
-            <a:ext cx="7616190" cy="1134110"/>
-          </a:xfrm>
-          <a:prstGeom prst="rect">
-            <a:avLst/>
-          </a:prstGeom>
-        </p:spPr>
-      </p:pic>
-    </p:spTree>
-  </p:cSld>
-  <p:clrMapOvr>
-    <a:masterClrMapping/>
-  </p:clrMapOvr>
-</p:sld>
-</file>
-
-<file path=ppt/slides/slide34.xml><?xml version="1.0" encoding="utf-8"?>
-<p:sld xmlns:a="http://schemas.openxmlformats.org/drawingml/2006/main" xmlns:r="http://schemas.openxmlformats.org/officeDocument/2006/relationships" xmlns:p="http://schemas.openxmlformats.org/presentationml/2006/main">
-  <p:cSld>
-    <p:spTree>
-      <p:nvGrpSpPr>
-        <p:cNvPr id="1" name=""/>
-        <p:cNvGrpSpPr/>
-        <p:nvPr/>
-      </p:nvGrpSpPr>
-      <p:grpSpPr>
-        <a:xfrm>
-          <a:off x="0" y="0"/>
-          <a:ext cx="0" cy="0"/>
-          <a:chOff x="0" y="0"/>
-          <a:chExt cx="0" cy="0"/>
-        </a:xfrm>
-      </p:grpSpPr>
-      <p:sp>
-        <p:nvSpPr>
-          <p:cNvPr id="2" name="Title 1"/>
-          <p:cNvSpPr>
-            <a:spLocks noGrp="1"/>
-          </p:cNvSpPr>
-          <p:nvPr>
-            <p:ph type="title"/>
-          </p:nvPr>
-        </p:nvSpPr>
-        <p:spPr>
-          <a:xfrm>
-            <a:off x="628650" y="155263"/>
-            <a:ext cx="7886700" cy="526790"/>
-          </a:xfrm>
-        </p:spPr>
-        <p:txBody>
-          <a:bodyPr>
-            <a:normAutofit fontScale="90000"/>
-          </a:bodyPr>
-          <a:lstStyle/>
-          <a:p>
-            <a:pPr algn="ctr"/>
-            <a:r>
-              <a:rPr lang="en-US" sz="3200" b="1" dirty="0">
-                <a:latin typeface="Calibri" panose="020F0502020204030204" pitchFamily="34" charset="0"/>
-                <a:cs typeface="Calibri" panose="020F0502020204030204" pitchFamily="34" charset="0"/>
-              </a:rPr>
-              <a:t>Transaction Type</a:t>
-            </a:r>
-            <a:endParaRPr lang="en-US" sz="3200" b="1" dirty="0">
-              <a:latin typeface="Calibri" panose="020F0502020204030204" pitchFamily="34" charset="0"/>
-              <a:cs typeface="Calibri" panose="020F0502020204030204" pitchFamily="34" charset="0"/>
-            </a:endParaRPr>
-          </a:p>
-        </p:txBody>
-      </p:sp>
-      <p:sp>
-        <p:nvSpPr>
-          <p:cNvPr id="3" name="Content Placeholder 2"/>
-          <p:cNvSpPr>
-            <a:spLocks noGrp="1"/>
-          </p:cNvSpPr>
-          <p:nvPr>
-            <p:ph idx="1"/>
-          </p:nvPr>
-        </p:nvSpPr>
-        <p:spPr>
-          <a:xfrm>
-            <a:off x="628650" y="989044"/>
-            <a:ext cx="7886700" cy="5605719"/>
-          </a:xfrm>
-        </p:spPr>
-        <p:txBody>
-          <a:bodyPr>
-            <a:normAutofit lnSpcReduction="10000"/>
-          </a:bodyPr>
-          <a:lstStyle/>
-          <a:p>
-            <a:pPr marL="228600" lvl="0" indent="-228600" defTabSz="342900">
-              <a:lnSpc>
-                <a:spcPct val="120000"/>
-              </a:lnSpc>
-              <a:buFont typeface="Arial" panose="020B0604020202020204" pitchFamily="34" charset="0"/>
-              <a:buChar char="•"/>
-            </a:pPr>
-            <a:r>
-              <a:rPr lang="en-US" altLang="en-US" sz="1540" dirty="0">
-                <a:solidFill>
-                  <a:srgbClr val="262626"/>
-                </a:solidFill>
-              </a:rPr>
-              <a:t>Query vs Write </a:t>
-            </a:r>
-            <a:r>
-              <a:rPr lang="zh-CN" altLang="en-US" sz="1540" dirty="0">
-                <a:solidFill>
-                  <a:srgbClr val="262626"/>
-                </a:solidFill>
-              </a:rPr>
-              <a:t>（</a:t>
-            </a:r>
-            <a:r>
-              <a:rPr lang="en-US" altLang="zh-CN" sz="1540" dirty="0">
-                <a:solidFill>
-                  <a:srgbClr val="FF0000"/>
-                </a:solidFill>
-              </a:rPr>
-              <a:t>Code Demo</a:t>
-            </a:r>
-            <a:r>
-              <a:rPr lang="en-US" altLang="zh-CN" sz="1540" dirty="0">
-                <a:solidFill>
-                  <a:srgbClr val="262626"/>
-                </a:solidFill>
-              </a:rPr>
-              <a:t>)</a:t>
-            </a:r>
-            <a:endParaRPr lang="en-US" altLang="en-US" sz="1540" dirty="0">
-              <a:solidFill>
-                <a:srgbClr val="262626"/>
-              </a:solidFill>
-            </a:endParaRPr>
-          </a:p>
-          <a:p>
-            <a:pPr marL="228600" lvl="0" indent="-228600" defTabSz="342900">
-              <a:lnSpc>
-                <a:spcPct val="120000"/>
-              </a:lnSpc>
-              <a:buFont typeface="Arial" panose="020B0604020202020204" pitchFamily="34" charset="0"/>
-              <a:buChar char="•"/>
-            </a:pPr>
-            <a:r>
-              <a:rPr lang="en-US" altLang="en-US" sz="1540" dirty="0">
-                <a:solidFill>
-                  <a:srgbClr val="262626"/>
-                </a:solidFill>
-              </a:rPr>
-              <a:t>Write to Contrcts</a:t>
-            </a:r>
-            <a:endParaRPr lang="en-US" altLang="en-US" sz="1540" dirty="0">
-              <a:solidFill>
-                <a:srgbClr val="262626"/>
-              </a:solidFill>
-            </a:endParaRPr>
-          </a:p>
-          <a:p>
-            <a:pPr marL="228600" lvl="0" indent="-228600" defTabSz="342900">
-              <a:lnSpc>
-                <a:spcPct val="120000"/>
-              </a:lnSpc>
-              <a:buFont typeface="Arial" panose="020B0604020202020204" pitchFamily="34" charset="0"/>
-              <a:buChar char="•"/>
-            </a:pPr>
-            <a:r>
-              <a:rPr lang="en-US" altLang="en-US" sz="1540" dirty="0">
-                <a:solidFill>
-                  <a:srgbClr val="262626"/>
-                </a:solidFill>
-              </a:rPr>
-              <a:t>Step 2: </a:t>
-            </a:r>
-            <a:r>
-              <a:rPr lang="en-US" altLang="en-US" sz="1535" dirty="0">
-                <a:solidFill>
-                  <a:srgbClr val="262626"/>
-                </a:solidFill>
-                <a:sym typeface="+mn-ea"/>
-              </a:rPr>
-              <a:t>Sign a transaction</a:t>
-            </a:r>
-            <a:endParaRPr lang="en-US" altLang="en-US" sz="1535" dirty="0">
-              <a:solidFill>
-                <a:srgbClr val="262626"/>
-              </a:solidFill>
-              <a:sym typeface="+mn-ea"/>
-            </a:endParaRPr>
-          </a:p>
-          <a:p>
-            <a:pPr marL="228600" lvl="0" indent="-228600" defTabSz="342900">
-              <a:lnSpc>
-                <a:spcPct val="120000"/>
-              </a:lnSpc>
-              <a:buFont typeface="Arial" panose="020B0604020202020204" pitchFamily="34" charset="0"/>
-              <a:buChar char="•"/>
-            </a:pPr>
-            <a:endParaRPr lang="en-US" altLang="en-US" sz="1535" dirty="0">
-              <a:solidFill>
-                <a:srgbClr val="262626"/>
-              </a:solidFill>
-              <a:sym typeface="+mn-ea"/>
-            </a:endParaRPr>
-          </a:p>
-          <a:p>
-            <a:pPr marL="228600" lvl="0" indent="-228600" defTabSz="342900">
-              <a:lnSpc>
-                <a:spcPct val="120000"/>
-              </a:lnSpc>
-              <a:buFont typeface="Arial" panose="020B0604020202020204" pitchFamily="34" charset="0"/>
-              <a:buChar char="•"/>
-            </a:pPr>
-            <a:endParaRPr lang="en-US" altLang="en-US" sz="1535" dirty="0">
-              <a:solidFill>
-                <a:srgbClr val="262626"/>
-              </a:solidFill>
-              <a:sym typeface="+mn-ea"/>
-            </a:endParaRPr>
-          </a:p>
-          <a:p>
-            <a:pPr marL="228600" lvl="0" indent="-228600" defTabSz="342900">
-              <a:lnSpc>
-                <a:spcPct val="120000"/>
-              </a:lnSpc>
-              <a:buFont typeface="Arial" panose="020B0604020202020204" pitchFamily="34" charset="0"/>
-              <a:buChar char="•"/>
-            </a:pPr>
-            <a:endParaRPr lang="en-US" altLang="en-US" sz="1535" dirty="0">
-              <a:solidFill>
-                <a:srgbClr val="262626"/>
-              </a:solidFill>
-              <a:sym typeface="+mn-ea"/>
-            </a:endParaRPr>
-          </a:p>
-          <a:p>
-            <a:pPr marL="228600" lvl="0" indent="-228600" defTabSz="342900">
-              <a:lnSpc>
-                <a:spcPct val="120000"/>
-              </a:lnSpc>
-              <a:buFont typeface="Arial" panose="020B0604020202020204" pitchFamily="34" charset="0"/>
-              <a:buChar char="•"/>
-            </a:pPr>
-            <a:endParaRPr lang="en-US" altLang="en-US" sz="1535" dirty="0">
-              <a:solidFill>
-                <a:srgbClr val="262626"/>
-              </a:solidFill>
-              <a:sym typeface="+mn-ea"/>
-            </a:endParaRPr>
-          </a:p>
-          <a:p>
-            <a:pPr marL="228600" lvl="0" indent="-228600" defTabSz="342900">
-              <a:lnSpc>
-                <a:spcPct val="120000"/>
-              </a:lnSpc>
-              <a:buFont typeface="Arial" panose="020B0604020202020204" pitchFamily="34" charset="0"/>
-              <a:buChar char="•"/>
-            </a:pPr>
-            <a:endParaRPr lang="en-US" altLang="en-US" sz="1535" dirty="0">
-              <a:solidFill>
-                <a:srgbClr val="262626"/>
-              </a:solidFill>
-              <a:sym typeface="+mn-ea"/>
-            </a:endParaRPr>
-          </a:p>
-          <a:p>
-            <a:pPr marL="228600" lvl="0" indent="-228600" defTabSz="342900">
-              <a:lnSpc>
-                <a:spcPct val="120000"/>
-              </a:lnSpc>
-              <a:buFont typeface="Arial" panose="020B0604020202020204" pitchFamily="34" charset="0"/>
-              <a:buChar char="•"/>
-            </a:pPr>
-            <a:r>
-              <a:rPr lang="en-US" altLang="en-US" sz="1535" dirty="0">
-                <a:solidFill>
-                  <a:srgbClr val="262626"/>
-                </a:solidFill>
-                <a:sym typeface="+mn-ea"/>
-              </a:rPr>
-              <a:t>Step3: Send Raw Transaction</a:t>
-            </a:r>
-            <a:endParaRPr lang="en-US" altLang="en-US" sz="1535" dirty="0">
-              <a:solidFill>
-                <a:srgbClr val="262626"/>
-              </a:solidFill>
-              <a:sym typeface="+mn-ea"/>
-            </a:endParaRPr>
-          </a:p>
-          <a:p>
-            <a:pPr marL="228600" lvl="0" indent="-228600" defTabSz="342900">
-              <a:lnSpc>
-                <a:spcPct val="120000"/>
-              </a:lnSpc>
-              <a:buFont typeface="Arial" panose="020B0604020202020204" pitchFamily="34" charset="0"/>
-              <a:buChar char="•"/>
-            </a:pPr>
-            <a:r>
-              <a:rPr lang="en-US" altLang="en-US" sz="1535" dirty="0">
-                <a:solidFill>
-                  <a:srgbClr val="262626"/>
-                </a:solidFill>
-                <a:sym typeface="+mn-ea"/>
-              </a:rPr>
-              <a:t>replace 0x with signedTransaction.rawTransaction</a:t>
-            </a:r>
-            <a:endParaRPr lang="en-US" altLang="en-US" sz="1535" dirty="0">
-              <a:solidFill>
-                <a:srgbClr val="262626"/>
-              </a:solidFill>
-              <a:sym typeface="+mn-ea"/>
-            </a:endParaRPr>
-          </a:p>
-          <a:p>
-            <a:pPr marL="228600" lvl="0" indent="-228600" defTabSz="342900">
-              <a:lnSpc>
-                <a:spcPct val="120000"/>
-              </a:lnSpc>
-              <a:buFont typeface="Arial" panose="020B0604020202020204" pitchFamily="34" charset="0"/>
-              <a:buChar char="•"/>
-            </a:pPr>
-            <a:endParaRPr lang="en-US" altLang="en-US" sz="1535" dirty="0">
-              <a:solidFill>
-                <a:srgbClr val="262626"/>
-              </a:solidFill>
-            </a:endParaRPr>
-          </a:p>
-          <a:p>
-            <a:pPr marL="228600" lvl="0" indent="-228600" defTabSz="342900">
-              <a:lnSpc>
-                <a:spcPct val="120000"/>
-              </a:lnSpc>
-              <a:buFont typeface="Arial" panose="020B0604020202020204" pitchFamily="34" charset="0"/>
-              <a:buChar char="•"/>
-            </a:pPr>
-            <a:endParaRPr lang="en-US" altLang="en-US" sz="1540" dirty="0">
-              <a:solidFill>
-                <a:srgbClr val="262626"/>
-              </a:solidFill>
-            </a:endParaRPr>
-          </a:p>
-        </p:txBody>
-      </p:sp>
-      <p:pic>
-        <p:nvPicPr>
-          <p:cNvPr id="4" name="图片 3"/>
-          <p:cNvPicPr>
-            <a:picLocks noChangeAspect="1"/>
-          </p:cNvPicPr>
-          <p:nvPr/>
-        </p:nvPicPr>
-        <p:blipFill>
-          <a:blip r:embed="rId1"/>
-          <a:stretch>
-            <a:fillRect/>
-          </a:stretch>
-        </p:blipFill>
-        <p:spPr>
-          <a:xfrm>
-            <a:off x="628650" y="2342515"/>
-            <a:ext cx="5925185" cy="1537335"/>
-          </a:xfrm>
-          <a:prstGeom prst="rect">
-            <a:avLst/>
-          </a:prstGeom>
-        </p:spPr>
-      </p:pic>
-      <p:pic>
-        <p:nvPicPr>
-          <p:cNvPr id="5" name="图片 4"/>
-          <p:cNvPicPr>
-            <a:picLocks noChangeAspect="1"/>
-          </p:cNvPicPr>
-          <p:nvPr/>
-        </p:nvPicPr>
-        <p:blipFill>
-          <a:blip r:embed="rId2"/>
-          <a:stretch>
-            <a:fillRect/>
-          </a:stretch>
-        </p:blipFill>
-        <p:spPr>
-          <a:xfrm>
-            <a:off x="628650" y="4944745"/>
-            <a:ext cx="7708900" cy="820420"/>
-          </a:xfrm>
-          <a:prstGeom prst="rect">
-            <a:avLst/>
-          </a:prstGeom>
-        </p:spPr>
-      </p:pic>
-    </p:spTree>
-  </p:cSld>
-  <p:clrMapOvr>
-    <a:masterClrMapping/>
-  </p:clrMapOvr>
-</p:sld>
-</file>
-
-<file path=ppt/slides/slide35.xml><?xml version="1.0" encoding="utf-8"?>
-<p:sld xmlns:a="http://schemas.openxmlformats.org/drawingml/2006/main" xmlns:r="http://schemas.openxmlformats.org/officeDocument/2006/relationships" xmlns:p="http://schemas.openxmlformats.org/presentationml/2006/main">
-  <p:cSld>
-    <p:spTree>
-      <p:nvGrpSpPr>
-        <p:cNvPr id="1" name=""/>
-        <p:cNvGrpSpPr/>
-        <p:nvPr/>
-      </p:nvGrpSpPr>
-      <p:grpSpPr>
-        <a:xfrm>
-          <a:off x="0" y="0"/>
-          <a:ext cx="0" cy="0"/>
-          <a:chOff x="0" y="0"/>
-          <a:chExt cx="0" cy="0"/>
-        </a:xfrm>
-      </p:grpSpPr>
-      <p:sp>
-        <p:nvSpPr>
-          <p:cNvPr id="2" name="Title 1"/>
-          <p:cNvSpPr>
-            <a:spLocks noGrp="1"/>
-          </p:cNvSpPr>
-          <p:nvPr>
-            <p:ph type="title"/>
-          </p:nvPr>
-        </p:nvSpPr>
-        <p:spPr>
-          <a:xfrm>
-            <a:off x="628650" y="155263"/>
-            <a:ext cx="7886700" cy="526790"/>
-          </a:xfrm>
-        </p:spPr>
-        <p:txBody>
-          <a:bodyPr>
-            <a:normAutofit fontScale="90000"/>
-          </a:bodyPr>
-          <a:lstStyle/>
-          <a:p>
-            <a:pPr algn="ctr"/>
-            <a:r>
-              <a:rPr lang="en-US" sz="3200" b="1" dirty="0">
-                <a:latin typeface="Calibri" panose="020F0502020204030204" pitchFamily="34" charset="0"/>
-                <a:cs typeface="Calibri" panose="020F0502020204030204" pitchFamily="34" charset="0"/>
-              </a:rPr>
-              <a:t>Function Call RPC vs signedTx</a:t>
-            </a:r>
-            <a:endParaRPr lang="en-US" sz="3200" b="1" dirty="0">
-              <a:latin typeface="Calibri" panose="020F0502020204030204" pitchFamily="34" charset="0"/>
-              <a:cs typeface="Calibri" panose="020F0502020204030204" pitchFamily="34" charset="0"/>
-            </a:endParaRPr>
-          </a:p>
-        </p:txBody>
-      </p:sp>
-      <p:sp>
-        <p:nvSpPr>
-          <p:cNvPr id="3" name="Content Placeholder 2"/>
-          <p:cNvSpPr>
-            <a:spLocks noGrp="1"/>
-          </p:cNvSpPr>
-          <p:nvPr>
-            <p:ph idx="1"/>
-          </p:nvPr>
-        </p:nvSpPr>
-        <p:spPr>
-          <a:xfrm>
-            <a:off x="628650" y="989044"/>
-            <a:ext cx="7886700" cy="5605719"/>
-          </a:xfrm>
-        </p:spPr>
-        <p:txBody>
-          <a:bodyPr>
-            <a:normAutofit lnSpcReduction="10000"/>
-          </a:bodyPr>
-          <a:lstStyle/>
-          <a:p>
-            <a:pPr marL="228600" lvl="0" indent="-228600" defTabSz="342900">
-              <a:lnSpc>
-                <a:spcPct val="120000"/>
-              </a:lnSpc>
-              <a:buFont typeface="Arial" panose="020B0604020202020204" pitchFamily="34" charset="0"/>
-              <a:buChar char="•"/>
-            </a:pPr>
-            <a:r>
-              <a:rPr lang="en-US" altLang="en-US" sz="1540" dirty="0">
-                <a:solidFill>
-                  <a:srgbClr val="262626"/>
-                </a:solidFill>
-              </a:rPr>
-              <a:t>RPC </a:t>
-            </a:r>
-            <a:r>
-              <a:rPr lang="zh-CN" altLang="en-US" sz="1535" dirty="0">
-                <a:solidFill>
-                  <a:srgbClr val="262626"/>
-                </a:solidFill>
-                <a:sym typeface="+mn-ea"/>
-              </a:rPr>
-              <a:t>（</a:t>
-            </a:r>
-            <a:r>
-              <a:rPr lang="en-US" altLang="zh-CN" sz="1535" dirty="0">
-                <a:solidFill>
-                  <a:srgbClr val="FF0000"/>
-                </a:solidFill>
-                <a:sym typeface="+mn-ea"/>
-              </a:rPr>
-              <a:t>Code Demo</a:t>
-            </a:r>
-            <a:r>
-              <a:rPr lang="en-US" altLang="zh-CN" sz="1535" dirty="0">
-                <a:solidFill>
-                  <a:srgbClr val="262626"/>
-                </a:solidFill>
-                <a:sym typeface="+mn-ea"/>
-              </a:rPr>
-              <a:t>)</a:t>
-            </a:r>
-            <a:endParaRPr lang="en-US" altLang="en-US" sz="1540" dirty="0">
-              <a:solidFill>
-                <a:srgbClr val="262626"/>
-              </a:solidFill>
-            </a:endParaRPr>
-          </a:p>
-          <a:p>
-            <a:pPr marL="228600" lvl="0" indent="-228600" defTabSz="342900">
-              <a:lnSpc>
-                <a:spcPct val="120000"/>
-              </a:lnSpc>
-              <a:buFont typeface="Arial" panose="020B0604020202020204" pitchFamily="34" charset="0"/>
-              <a:buChar char="•"/>
-            </a:pPr>
-            <a:r>
-              <a:rPr lang="en-US" altLang="en-US" sz="1540" dirty="0">
-                <a:solidFill>
-                  <a:srgbClr val="262626"/>
-                </a:solidFill>
-              </a:rPr>
-              <a:t>Send Raw Post request </a:t>
-            </a:r>
-            <a:endParaRPr lang="en-US" altLang="en-US" sz="1540" dirty="0">
-              <a:solidFill>
-                <a:srgbClr val="262626"/>
-              </a:solidFill>
-            </a:endParaRPr>
-          </a:p>
-          <a:p>
-            <a:pPr marL="228600" lvl="0" indent="-228600" defTabSz="342900">
-              <a:lnSpc>
-                <a:spcPct val="120000"/>
-              </a:lnSpc>
-              <a:buFont typeface="Arial" panose="020B0604020202020204" pitchFamily="34" charset="0"/>
-              <a:buChar char="•"/>
-            </a:pPr>
-            <a:endParaRPr lang="en-US" altLang="en-US" sz="1540" dirty="0">
-              <a:solidFill>
-                <a:srgbClr val="262626"/>
-              </a:solidFill>
-            </a:endParaRPr>
-          </a:p>
-          <a:p>
-            <a:pPr marL="228600" lvl="0" indent="-228600" defTabSz="342900">
-              <a:lnSpc>
-                <a:spcPct val="120000"/>
-              </a:lnSpc>
-              <a:buFont typeface="Arial" panose="020B0604020202020204" pitchFamily="34" charset="0"/>
-              <a:buChar char="•"/>
-            </a:pPr>
-            <a:endParaRPr lang="en-US" altLang="en-US" sz="1540" dirty="0">
-              <a:solidFill>
-                <a:srgbClr val="262626"/>
-              </a:solidFill>
-            </a:endParaRPr>
-          </a:p>
-          <a:p>
-            <a:pPr marL="228600" lvl="0" indent="-228600" defTabSz="342900">
-              <a:lnSpc>
-                <a:spcPct val="120000"/>
-              </a:lnSpc>
-              <a:buFont typeface="Arial" panose="020B0604020202020204" pitchFamily="34" charset="0"/>
-              <a:buChar char="•"/>
-            </a:pPr>
-            <a:endParaRPr lang="en-US" altLang="en-US" sz="1540" dirty="0">
-              <a:solidFill>
-                <a:srgbClr val="262626"/>
-              </a:solidFill>
-            </a:endParaRPr>
-          </a:p>
-          <a:p>
-            <a:pPr marL="228600" lvl="0" indent="-228600" defTabSz="342900">
-              <a:lnSpc>
-                <a:spcPct val="120000"/>
-              </a:lnSpc>
-              <a:buFont typeface="Arial" panose="020B0604020202020204" pitchFamily="34" charset="0"/>
-              <a:buChar char="•"/>
-            </a:pPr>
-            <a:endParaRPr lang="en-US" altLang="en-US" sz="1540" dirty="0">
-              <a:solidFill>
-                <a:srgbClr val="262626"/>
-              </a:solidFill>
-            </a:endParaRPr>
-          </a:p>
-          <a:p>
-            <a:pPr marL="228600" lvl="0" indent="-228600" defTabSz="342900">
-              <a:lnSpc>
-                <a:spcPct val="120000"/>
-              </a:lnSpc>
-              <a:buFont typeface="Arial" panose="020B0604020202020204" pitchFamily="34" charset="0"/>
-              <a:buChar char="•"/>
-            </a:pPr>
-            <a:endParaRPr lang="en-US" altLang="en-US" sz="1540" dirty="0">
-              <a:solidFill>
-                <a:srgbClr val="262626"/>
-              </a:solidFill>
-            </a:endParaRPr>
-          </a:p>
-          <a:p>
-            <a:pPr marL="228600" lvl="0" indent="-228600" defTabSz="342900">
-              <a:lnSpc>
-                <a:spcPct val="120000"/>
-              </a:lnSpc>
-              <a:buFont typeface="Arial" panose="020B0604020202020204" pitchFamily="34" charset="0"/>
-              <a:buChar char="•"/>
-            </a:pPr>
-            <a:endParaRPr lang="en-US" altLang="en-US" sz="1540" dirty="0">
-              <a:solidFill>
-                <a:srgbClr val="262626"/>
-              </a:solidFill>
-            </a:endParaRPr>
-          </a:p>
-        </p:txBody>
-      </p:sp>
-      <p:pic>
-        <p:nvPicPr>
-          <p:cNvPr id="4" name="图片 3"/>
-          <p:cNvPicPr>
-            <a:picLocks noChangeAspect="1"/>
-          </p:cNvPicPr>
-          <p:nvPr/>
-        </p:nvPicPr>
-        <p:blipFill>
-          <a:blip r:embed="rId1"/>
-          <a:stretch>
-            <a:fillRect/>
-          </a:stretch>
-        </p:blipFill>
-        <p:spPr>
-          <a:xfrm>
-            <a:off x="628650" y="1779905"/>
-            <a:ext cx="4835525" cy="1533525"/>
-          </a:xfrm>
-          <a:prstGeom prst="rect">
-            <a:avLst/>
-          </a:prstGeom>
-        </p:spPr>
-      </p:pic>
-      <p:pic>
-        <p:nvPicPr>
-          <p:cNvPr id="5" name="图片 4"/>
-          <p:cNvPicPr>
-            <a:picLocks noChangeAspect="1"/>
-          </p:cNvPicPr>
-          <p:nvPr/>
-        </p:nvPicPr>
-        <p:blipFill>
-          <a:blip r:embed="rId2"/>
-          <a:stretch>
-            <a:fillRect/>
-          </a:stretch>
-        </p:blipFill>
-        <p:spPr>
-          <a:xfrm>
-            <a:off x="4972050" y="3440430"/>
-            <a:ext cx="4171950" cy="3381375"/>
-          </a:xfrm>
-          <a:prstGeom prst="rect">
-            <a:avLst/>
-          </a:prstGeom>
-        </p:spPr>
-      </p:pic>
-    </p:spTree>
-  </p:cSld>
-  <p:clrMapOvr>
-    <a:masterClrMapping/>
-  </p:clrMapOvr>
-</p:sld>
-</file>
-
-<file path=ppt/slides/slide36.xml><?xml version="1.0" encoding="utf-8"?>
-<p:sld xmlns:a="http://schemas.openxmlformats.org/drawingml/2006/main" xmlns:r="http://schemas.openxmlformats.org/officeDocument/2006/relationships" xmlns:p="http://schemas.openxmlformats.org/presentationml/2006/main">
-  <p:cSld>
-    <p:spTree>
-      <p:nvGrpSpPr>
-        <p:cNvPr id="1" name=""/>
-        <p:cNvGrpSpPr/>
-        <p:nvPr/>
-      </p:nvGrpSpPr>
-      <p:grpSpPr>
-        <a:xfrm>
-          <a:off x="0" y="0"/>
-          <a:ext cx="0" cy="0"/>
-          <a:chOff x="0" y="0"/>
-          <a:chExt cx="0" cy="0"/>
-        </a:xfrm>
-      </p:grpSpPr>
-      <p:sp>
-        <p:nvSpPr>
-          <p:cNvPr id="2" name="Title 1"/>
-          <p:cNvSpPr>
-            <a:spLocks noGrp="1"/>
-          </p:cNvSpPr>
-          <p:nvPr>
-            <p:ph type="title"/>
-          </p:nvPr>
-        </p:nvSpPr>
-        <p:spPr>
-          <a:xfrm>
-            <a:off x="628650" y="155263"/>
-            <a:ext cx="7886700" cy="526790"/>
-          </a:xfrm>
-        </p:spPr>
-        <p:txBody>
-          <a:bodyPr>
-            <a:normAutofit fontScale="90000"/>
-          </a:bodyPr>
-          <a:lstStyle/>
-          <a:p>
-            <a:pPr algn="ctr"/>
-            <a:r>
-              <a:rPr lang="en-US" sz="3200" b="1" dirty="0">
-                <a:latin typeface="Calibri" panose="020F0502020204030204" pitchFamily="34" charset="0"/>
-                <a:cs typeface="Calibri" panose="020F0502020204030204" pitchFamily="34" charset="0"/>
-              </a:rPr>
-              <a:t>Code Demo</a:t>
-            </a:r>
-            <a:endParaRPr lang="en-US" sz="3200" b="1" dirty="0">
-              <a:latin typeface="Calibri" panose="020F0502020204030204" pitchFamily="34" charset="0"/>
-              <a:cs typeface="Calibri" panose="020F0502020204030204" pitchFamily="34" charset="0"/>
-            </a:endParaRPr>
-          </a:p>
-        </p:txBody>
-      </p:sp>
-      <p:sp>
-        <p:nvSpPr>
-          <p:cNvPr id="3" name="Content Placeholder 2"/>
-          <p:cNvSpPr>
-            <a:spLocks noGrp="1"/>
-          </p:cNvSpPr>
-          <p:nvPr>
-            <p:ph idx="1"/>
-          </p:nvPr>
-        </p:nvSpPr>
-        <p:spPr>
-          <a:xfrm>
-            <a:off x="628650" y="989044"/>
-            <a:ext cx="7886700" cy="5605719"/>
-          </a:xfrm>
-        </p:spPr>
-        <p:txBody>
-          <a:bodyPr>
-            <a:normAutofit lnSpcReduction="10000"/>
-          </a:bodyPr>
-          <a:lstStyle/>
-          <a:p>
-            <a:pPr marL="228600" lvl="0" indent="-228600" defTabSz="342900">
-              <a:lnSpc>
-                <a:spcPct val="120000"/>
-              </a:lnSpc>
-              <a:buFont typeface="Arial" panose="020B0604020202020204" pitchFamily="34" charset="0"/>
-              <a:buChar char="•"/>
-            </a:pPr>
-            <a:r>
-              <a:rPr lang="en-US" sz="1540" dirty="0">
-                <a:solidFill>
-                  <a:srgbClr val="262626"/>
-                </a:solidFill>
-              </a:rPr>
-              <a:t>Add Web3 to React (</a:t>
-            </a:r>
-            <a:r>
-              <a:rPr lang="en-US" sz="1540" dirty="0">
-                <a:solidFill>
-                  <a:srgbClr val="FF0000"/>
-                </a:solidFill>
-              </a:rPr>
-              <a:t>Code Demo</a:t>
-            </a:r>
-            <a:r>
-              <a:rPr lang="en-US" sz="1540" dirty="0">
-                <a:solidFill>
-                  <a:srgbClr val="262626"/>
-                </a:solidFill>
-              </a:rPr>
-              <a:t>)</a:t>
-            </a:r>
-            <a:endParaRPr lang="en-US" altLang="en-US" sz="1540" dirty="0">
-              <a:solidFill>
-                <a:srgbClr val="262626"/>
-              </a:solidFill>
-            </a:endParaRPr>
-          </a:p>
-        </p:txBody>
-      </p:sp>
     </p:spTree>
   </p:cSld>
   <p:clrMapOvr>
